--- a/docker manual/fig 01/fig 01.pptx
+++ b/docker manual/fig 01/fig 01.pptx
@@ -260,7 +260,7 @@
           <a:p>
             <a:fld id="{D586717D-C401-4E2D-8268-E9C8724B8F3F}" type="datetimeFigureOut">
               <a:rPr lang="ko-KR" altLang="en-US" smtClean="0"/>
-              <a:t>2019-03-27</a:t>
+              <a:t>2019-06-19</a:t>
             </a:fld>
             <a:endParaRPr lang="ko-KR" altLang="en-US"/>
           </a:p>
@@ -430,7 +430,7 @@
           <a:p>
             <a:fld id="{D586717D-C401-4E2D-8268-E9C8724B8F3F}" type="datetimeFigureOut">
               <a:rPr lang="ko-KR" altLang="en-US" smtClean="0"/>
-              <a:t>2019-03-27</a:t>
+              <a:t>2019-06-19</a:t>
             </a:fld>
             <a:endParaRPr lang="ko-KR" altLang="en-US"/>
           </a:p>
@@ -610,7 +610,7 @@
           <a:p>
             <a:fld id="{D586717D-C401-4E2D-8268-E9C8724B8F3F}" type="datetimeFigureOut">
               <a:rPr lang="ko-KR" altLang="en-US" smtClean="0"/>
-              <a:t>2019-03-27</a:t>
+              <a:t>2019-06-19</a:t>
             </a:fld>
             <a:endParaRPr lang="ko-KR" altLang="en-US"/>
           </a:p>
@@ -780,7 +780,7 @@
           <a:p>
             <a:fld id="{D586717D-C401-4E2D-8268-E9C8724B8F3F}" type="datetimeFigureOut">
               <a:rPr lang="ko-KR" altLang="en-US" smtClean="0"/>
-              <a:t>2019-03-27</a:t>
+              <a:t>2019-06-19</a:t>
             </a:fld>
             <a:endParaRPr lang="ko-KR" altLang="en-US"/>
           </a:p>
@@ -1026,7 +1026,7 @@
           <a:p>
             <a:fld id="{D586717D-C401-4E2D-8268-E9C8724B8F3F}" type="datetimeFigureOut">
               <a:rPr lang="ko-KR" altLang="en-US" smtClean="0"/>
-              <a:t>2019-03-27</a:t>
+              <a:t>2019-06-19</a:t>
             </a:fld>
             <a:endParaRPr lang="ko-KR" altLang="en-US"/>
           </a:p>
@@ -1258,7 +1258,7 @@
           <a:p>
             <a:fld id="{D586717D-C401-4E2D-8268-E9C8724B8F3F}" type="datetimeFigureOut">
               <a:rPr lang="ko-KR" altLang="en-US" smtClean="0"/>
-              <a:t>2019-03-27</a:t>
+              <a:t>2019-06-19</a:t>
             </a:fld>
             <a:endParaRPr lang="ko-KR" altLang="en-US"/>
           </a:p>
@@ -1625,7 +1625,7 @@
           <a:p>
             <a:fld id="{D586717D-C401-4E2D-8268-E9C8724B8F3F}" type="datetimeFigureOut">
               <a:rPr lang="ko-KR" altLang="en-US" smtClean="0"/>
-              <a:t>2019-03-27</a:t>
+              <a:t>2019-06-19</a:t>
             </a:fld>
             <a:endParaRPr lang="ko-KR" altLang="en-US"/>
           </a:p>
@@ -1743,7 +1743,7 @@
           <a:p>
             <a:fld id="{D586717D-C401-4E2D-8268-E9C8724B8F3F}" type="datetimeFigureOut">
               <a:rPr lang="ko-KR" altLang="en-US" smtClean="0"/>
-              <a:t>2019-03-27</a:t>
+              <a:t>2019-06-19</a:t>
             </a:fld>
             <a:endParaRPr lang="ko-KR" altLang="en-US"/>
           </a:p>
@@ -1838,7 +1838,7 @@
           <a:p>
             <a:fld id="{D586717D-C401-4E2D-8268-E9C8724B8F3F}" type="datetimeFigureOut">
               <a:rPr lang="ko-KR" altLang="en-US" smtClean="0"/>
-              <a:t>2019-03-27</a:t>
+              <a:t>2019-06-19</a:t>
             </a:fld>
             <a:endParaRPr lang="ko-KR" altLang="en-US"/>
           </a:p>
@@ -2115,7 +2115,7 @@
           <a:p>
             <a:fld id="{D586717D-C401-4E2D-8268-E9C8724B8F3F}" type="datetimeFigureOut">
               <a:rPr lang="ko-KR" altLang="en-US" smtClean="0"/>
-              <a:t>2019-03-27</a:t>
+              <a:t>2019-06-19</a:t>
             </a:fld>
             <a:endParaRPr lang="ko-KR" altLang="en-US"/>
           </a:p>
@@ -2368,7 +2368,7 @@
           <a:p>
             <a:fld id="{D586717D-C401-4E2D-8268-E9C8724B8F3F}" type="datetimeFigureOut">
               <a:rPr lang="ko-KR" altLang="en-US" smtClean="0"/>
-              <a:t>2019-03-27</a:t>
+              <a:t>2019-06-19</a:t>
             </a:fld>
             <a:endParaRPr lang="ko-KR" altLang="en-US"/>
           </a:p>
@@ -2581,7 +2581,7 @@
           <a:p>
             <a:fld id="{D586717D-C401-4E2D-8268-E9C8724B8F3F}" type="datetimeFigureOut">
               <a:rPr lang="ko-KR" altLang="en-US" smtClean="0"/>
-              <a:t>2019-03-27</a:t>
+              <a:t>2019-06-19</a:t>
             </a:fld>
             <a:endParaRPr lang="ko-KR" altLang="en-US"/>
           </a:p>
@@ -4505,8 +4505,8 @@
         </p:nvSpPr>
         <p:spPr>
           <a:xfrm>
-            <a:off x="0" y="0"/>
-            <a:ext cx="12192000" cy="6858000"/>
+            <a:off x="0" y="-14288"/>
+            <a:ext cx="12192000" cy="5657851"/>
           </a:xfrm>
           <a:prstGeom prst="rect">
             <a:avLst/>
@@ -4552,7 +4552,7 @@
         <p:spPr>
           <a:xfrm>
             <a:off x="1231106" y="457201"/>
-            <a:ext cx="4469607" cy="5943598"/>
+            <a:ext cx="4469607" cy="4714874"/>
           </a:xfrm>
           <a:prstGeom prst="rect">
             <a:avLst/>
@@ -4633,7 +4633,7 @@
         <p:spPr>
           <a:xfrm>
             <a:off x="6555581" y="457201"/>
-            <a:ext cx="4469607" cy="5943598"/>
+            <a:ext cx="4469607" cy="4714874"/>
           </a:xfrm>
           <a:prstGeom prst="rect">
             <a:avLst/>
@@ -4713,8 +4713,8 @@
         </p:nvSpPr>
         <p:spPr>
           <a:xfrm>
-            <a:off x="1602579" y="2343150"/>
-            <a:ext cx="3726659" cy="3786187"/>
+            <a:off x="1602579" y="1885953"/>
+            <a:ext cx="3726659" cy="3003466"/>
           </a:xfrm>
           <a:prstGeom prst="rect">
             <a:avLst/>
@@ -4766,14 +4766,6 @@
           </a:p>
           <a:p>
             <a:pPr algn="ctr"/>
-            <a:endParaRPr lang="en-US" altLang="ko-KR" sz="2800" b="1" dirty="0"/>
-          </a:p>
-          <a:p>
-            <a:pPr algn="ctr"/>
-            <a:endParaRPr lang="en-US" altLang="ko-KR" sz="2800" b="1" dirty="0" smtClean="0"/>
-          </a:p>
-          <a:p>
-            <a:pPr algn="ctr"/>
             <a:endParaRPr lang="ko-KR" altLang="en-US" sz="2800" b="1" dirty="0"/>
           </a:p>
         </p:txBody>
@@ -4894,22 +4886,20 @@
       </p:sp>
       <p:sp>
         <p:nvSpPr>
-          <p:cNvPr id="9" name="직사각형 8"/>
+          <p:cNvPr id="11" name="직사각형 10"/>
           <p:cNvSpPr/>
           <p:nvPr/>
         </p:nvSpPr>
         <p:spPr>
           <a:xfrm>
-            <a:off x="2659854" y="4736305"/>
-            <a:ext cx="1612108" cy="1200150"/>
+            <a:off x="6931819" y="1885953"/>
+            <a:ext cx="3726659" cy="3003466"/>
           </a:xfrm>
           <a:prstGeom prst="rect">
             <a:avLst/>
           </a:prstGeom>
           <a:solidFill>
-            <a:schemeClr val="bg2">
-              <a:lumMod val="75000"/>
-            </a:schemeClr>
+            <a:srgbClr val="00B0F0"/>
           </a:solidFill>
           <a:ln>
             <a:noFill/>
@@ -4937,36 +4927,44 @@
           <a:p>
             <a:pPr algn="ctr"/>
             <a:r>
-              <a:rPr lang="en-US" altLang="ko-KR" sz="2400" b="1" dirty="0" smtClean="0"/>
-              <a:t>Mac</a:t>
-            </a:r>
-          </a:p>
-          <a:p>
-            <a:pPr algn="ctr"/>
-            <a:r>
-              <a:rPr lang="en-US" altLang="ko-KR" sz="2400" b="1" dirty="0" smtClean="0"/>
-              <a:t>App</a:t>
-            </a:r>
-            <a:endParaRPr lang="ko-KR" altLang="en-US" sz="2400" b="1" dirty="0"/>
-          </a:p>
-        </p:txBody>
-      </p:sp>
-      <p:sp>
-        <p:nvSpPr>
-          <p:cNvPr id="11" name="직사각형 10"/>
+              <a:rPr lang="en-US" altLang="ko-KR" sz="2800" b="1" dirty="0" smtClean="0"/>
+              <a:t>Docker Container</a:t>
+            </a:r>
+          </a:p>
+          <a:p>
+            <a:pPr algn="ctr"/>
+            <a:endParaRPr lang="en-US" altLang="ko-KR" sz="2800" b="1" dirty="0" smtClean="0"/>
+          </a:p>
+          <a:p>
+            <a:pPr algn="ctr"/>
+            <a:endParaRPr lang="en-US" altLang="ko-KR" sz="2800" b="1" dirty="0"/>
+          </a:p>
+          <a:p>
+            <a:pPr algn="ctr"/>
+            <a:endParaRPr lang="en-US" altLang="ko-KR" sz="2800" b="1" dirty="0" smtClean="0"/>
+          </a:p>
+          <a:p>
+            <a:pPr algn="ctr"/>
+            <a:endParaRPr lang="ko-KR" altLang="en-US" sz="2800" b="1" dirty="0"/>
+          </a:p>
+        </p:txBody>
+      </p:sp>
+      <p:sp>
+        <p:nvSpPr>
+          <p:cNvPr id="12" name="직사각형 11"/>
           <p:cNvSpPr/>
           <p:nvPr/>
         </p:nvSpPr>
         <p:spPr>
           <a:xfrm>
-            <a:off x="6931819" y="2343150"/>
-            <a:ext cx="3726659" cy="3786187"/>
+            <a:off x="7097018" y="3357563"/>
+            <a:ext cx="1612108" cy="1200150"/>
           </a:xfrm>
           <a:prstGeom prst="rect">
             <a:avLst/>
           </a:prstGeom>
           <a:solidFill>
-            <a:srgbClr val="00B0F0"/>
+            <a:srgbClr val="92D050"/>
           </a:solidFill>
           <a:ln>
             <a:noFill/>
@@ -4994,52 +4992,36 @@
           <a:p>
             <a:pPr algn="ctr"/>
             <a:r>
-              <a:rPr lang="en-US" altLang="ko-KR" sz="2800" b="1" smtClean="0"/>
-              <a:t>Docker Container</a:t>
-            </a:r>
-          </a:p>
-          <a:p>
-            <a:pPr algn="ctr"/>
-            <a:endParaRPr lang="en-US" altLang="ko-KR" sz="2800" b="1" smtClean="0"/>
-          </a:p>
-          <a:p>
-            <a:pPr algn="ctr"/>
-            <a:endParaRPr lang="en-US" altLang="ko-KR" sz="2800" b="1"/>
-          </a:p>
-          <a:p>
-            <a:pPr algn="ctr"/>
-            <a:endParaRPr lang="en-US" altLang="ko-KR" sz="2800" b="1" smtClean="0"/>
-          </a:p>
-          <a:p>
-            <a:pPr algn="ctr"/>
-            <a:endParaRPr lang="en-US" altLang="ko-KR" sz="2800" b="1"/>
-          </a:p>
-          <a:p>
-            <a:pPr algn="ctr"/>
-            <a:endParaRPr lang="en-US" altLang="ko-KR" sz="2800" b="1" smtClean="0"/>
-          </a:p>
-          <a:p>
-            <a:pPr algn="ctr"/>
-            <a:endParaRPr lang="ko-KR" altLang="en-US" sz="2800" b="1" dirty="0"/>
-          </a:p>
-        </p:txBody>
-      </p:sp>
-      <p:sp>
-        <p:nvSpPr>
-          <p:cNvPr id="12" name="직사각형 11"/>
+              <a:rPr lang="en-US" altLang="ko-KR" sz="2400" b="1" smtClean="0"/>
+              <a:t>Linux</a:t>
+            </a:r>
+          </a:p>
+          <a:p>
+            <a:pPr algn="ctr"/>
+            <a:r>
+              <a:rPr lang="en-US" altLang="ko-KR" sz="2400" b="1" smtClean="0"/>
+              <a:t>App</a:t>
+            </a:r>
+            <a:endParaRPr lang="ko-KR" altLang="en-US" sz="2400" b="1" dirty="0"/>
+          </a:p>
+        </p:txBody>
+      </p:sp>
+      <p:sp>
+        <p:nvSpPr>
+          <p:cNvPr id="13" name="직사각형 12"/>
           <p:cNvSpPr/>
           <p:nvPr/>
         </p:nvSpPr>
         <p:spPr>
           <a:xfrm>
-            <a:off x="7097018" y="3357563"/>
+            <a:off x="8904983" y="3357563"/>
             <a:ext cx="1612108" cy="1200150"/>
           </a:xfrm>
           <a:prstGeom prst="rect">
             <a:avLst/>
           </a:prstGeom>
           <a:solidFill>
-            <a:srgbClr val="92D050"/>
+            <a:srgbClr val="FFC000"/>
           </a:solidFill>
           <a:ln>
             <a:noFill/>
@@ -5068,123 +5050,7 @@
             <a:pPr algn="ctr"/>
             <a:r>
               <a:rPr lang="en-US" altLang="ko-KR" sz="2400" b="1" smtClean="0"/>
-              <a:t>Linux</a:t>
-            </a:r>
-          </a:p>
-          <a:p>
-            <a:pPr algn="ctr"/>
-            <a:r>
-              <a:rPr lang="en-US" altLang="ko-KR" sz="2400" b="1" smtClean="0"/>
-              <a:t>App</a:t>
-            </a:r>
-            <a:endParaRPr lang="ko-KR" altLang="en-US" sz="2400" b="1" dirty="0"/>
-          </a:p>
-        </p:txBody>
-      </p:sp>
-      <p:sp>
-        <p:nvSpPr>
-          <p:cNvPr id="13" name="직사각형 12"/>
-          <p:cNvSpPr/>
-          <p:nvPr/>
-        </p:nvSpPr>
-        <p:spPr>
-          <a:xfrm>
-            <a:off x="8904983" y="3357563"/>
-            <a:ext cx="1612108" cy="1200150"/>
-          </a:xfrm>
-          <a:prstGeom prst="rect">
-            <a:avLst/>
-          </a:prstGeom>
-          <a:solidFill>
-            <a:srgbClr val="FFC000"/>
-          </a:solidFill>
-          <a:ln>
-            <a:noFill/>
-          </a:ln>
-        </p:spPr>
-        <p:style>
-          <a:lnRef idx="2">
-            <a:schemeClr val="accent1">
-              <a:shade val="50000"/>
-            </a:schemeClr>
-          </a:lnRef>
-          <a:fillRef idx="1">
-            <a:schemeClr val="accent1"/>
-          </a:fillRef>
-          <a:effectRef idx="0">
-            <a:schemeClr val="accent1"/>
-          </a:effectRef>
-          <a:fontRef idx="minor">
-            <a:schemeClr val="lt1"/>
-          </a:fontRef>
-        </p:style>
-        <p:txBody>
-          <a:bodyPr rtlCol="0" anchor="ctr"/>
-          <a:lstStyle/>
-          <a:p>
-            <a:pPr algn="ctr"/>
-            <a:r>
-              <a:rPr lang="en-US" altLang="ko-KR" sz="2400" b="1" smtClean="0"/>
               <a:t>Windows</a:t>
-            </a:r>
-          </a:p>
-          <a:p>
-            <a:pPr algn="ctr"/>
-            <a:r>
-              <a:rPr lang="en-US" altLang="ko-KR" sz="2400" b="1" smtClean="0"/>
-              <a:t>App</a:t>
-            </a:r>
-            <a:endParaRPr lang="ko-KR" altLang="en-US" sz="2400" b="1" dirty="0"/>
-          </a:p>
-        </p:txBody>
-      </p:sp>
-      <p:sp>
-        <p:nvSpPr>
-          <p:cNvPr id="14" name="직사각형 13"/>
-          <p:cNvSpPr/>
-          <p:nvPr/>
-        </p:nvSpPr>
-        <p:spPr>
-          <a:xfrm>
-            <a:off x="7984330" y="4736305"/>
-            <a:ext cx="1612108" cy="1200150"/>
-          </a:xfrm>
-          <a:prstGeom prst="rect">
-            <a:avLst/>
-          </a:prstGeom>
-          <a:solidFill>
-            <a:schemeClr val="bg2">
-              <a:lumMod val="75000"/>
-            </a:schemeClr>
-          </a:solidFill>
-          <a:ln>
-            <a:noFill/>
-          </a:ln>
-        </p:spPr>
-        <p:style>
-          <a:lnRef idx="2">
-            <a:schemeClr val="accent1">
-              <a:shade val="50000"/>
-            </a:schemeClr>
-          </a:lnRef>
-          <a:fillRef idx="1">
-            <a:schemeClr val="accent1"/>
-          </a:fillRef>
-          <a:effectRef idx="0">
-            <a:schemeClr val="accent1"/>
-          </a:effectRef>
-          <a:fontRef idx="minor">
-            <a:schemeClr val="lt1"/>
-          </a:fontRef>
-        </p:style>
-        <p:txBody>
-          <a:bodyPr rtlCol="0" anchor="ctr"/>
-          <a:lstStyle/>
-          <a:p>
-            <a:pPr algn="ctr"/>
-            <a:r>
-              <a:rPr lang="en-US" altLang="ko-KR" sz="2400" b="1" smtClean="0"/>
-              <a:t>Mac</a:t>
             </a:r>
           </a:p>
           <a:p>
